--- a/Sunular/MÖT-Hafta-1.pptx
+++ b/Sunular/MÖT-Hafta-1.pptx
@@ -978,7 +978,7 @@
             <a:fld id="{B61BEF0D-F0BB-DE4B-95CE-6DB70DBA9567}" type="datetimeFigureOut">
               <a:rPr lang="en-US" smtClean="0"/>
               <a:pPr/>
-              <a:t>10/2/2023</a:t>
+              <a:t>10/3/2023</a:t>
             </a:fld>
             <a:endParaRPr lang="en-US" dirty="0"/>
           </a:p>
@@ -1159,7 +1159,7 @@
             <a:fld id="{B61BEF0D-F0BB-DE4B-95CE-6DB70DBA9567}" type="datetimeFigureOut">
               <a:rPr lang="en-US" smtClean="0"/>
               <a:pPr/>
-              <a:t>10/2/2023</a:t>
+              <a:t>10/3/2023</a:t>
             </a:fld>
             <a:endParaRPr lang="en-US" dirty="0"/>
           </a:p>
@@ -1350,7 +1350,7 @@
             <a:fld id="{B61BEF0D-F0BB-DE4B-95CE-6DB70DBA9567}" type="datetimeFigureOut">
               <a:rPr lang="en-US" smtClean="0"/>
               <a:pPr/>
-              <a:t>10/2/2023</a:t>
+              <a:t>10/3/2023</a:t>
             </a:fld>
             <a:endParaRPr lang="en-US" dirty="0"/>
           </a:p>
@@ -1523,7 +1523,7 @@
           <a:p>
             <a:fld id="{1D8BD707-D9CF-40AE-B4C6-C98DA3205C09}" type="datetimeFigureOut">
               <a:rPr lang="en-US"/>
-              <a:t>10/2/2023</a:t>
+              <a:t>10/3/2023</a:t>
             </a:fld>
             <a:endParaRPr lang="en-US"/>
           </a:p>
@@ -1684,7 +1684,7 @@
             <a:fld id="{B61BEF0D-F0BB-DE4B-95CE-6DB70DBA9567}" type="datetimeFigureOut">
               <a:rPr lang="en-US" smtClean="0"/>
               <a:pPr/>
-              <a:t>10/2/2023</a:t>
+              <a:t>10/3/2023</a:t>
             </a:fld>
             <a:endParaRPr lang="en-US" dirty="0"/>
           </a:p>
@@ -1941,7 +1941,7 @@
             <a:fld id="{B61BEF0D-F0BB-DE4B-95CE-6DB70DBA9567}" type="datetimeFigureOut">
               <a:rPr lang="en-US" smtClean="0"/>
               <a:pPr/>
-              <a:t>10/2/2023</a:t>
+              <a:t>10/3/2023</a:t>
             </a:fld>
             <a:endParaRPr lang="en-US" dirty="0"/>
           </a:p>
@@ -2184,7 +2184,7 @@
             <a:fld id="{B61BEF0D-F0BB-DE4B-95CE-6DB70DBA9567}" type="datetimeFigureOut">
               <a:rPr lang="en-US" smtClean="0"/>
               <a:pPr/>
-              <a:t>10/2/2023</a:t>
+              <a:t>10/3/2023</a:t>
             </a:fld>
             <a:endParaRPr lang="en-US" dirty="0"/>
           </a:p>
@@ -2562,7 +2562,7 @@
             <a:fld id="{B61BEF0D-F0BB-DE4B-95CE-6DB70DBA9567}" type="datetimeFigureOut">
               <a:rPr lang="en-US" smtClean="0"/>
               <a:pPr/>
-              <a:t>10/2/2023</a:t>
+              <a:t>10/3/2023</a:t>
             </a:fld>
             <a:endParaRPr lang="en-US" dirty="0"/>
           </a:p>
@@ -2691,7 +2691,7 @@
             <a:fld id="{B61BEF0D-F0BB-DE4B-95CE-6DB70DBA9567}" type="datetimeFigureOut">
               <a:rPr lang="en-US" smtClean="0"/>
               <a:pPr/>
-              <a:t>10/2/2023</a:t>
+              <a:t>10/3/2023</a:t>
             </a:fld>
             <a:endParaRPr lang="en-US" dirty="0"/>
           </a:p>
@@ -2797,7 +2797,7 @@
             <a:fld id="{B61BEF0D-F0BB-DE4B-95CE-6DB70DBA9567}" type="datetimeFigureOut">
               <a:rPr lang="en-US" smtClean="0"/>
               <a:pPr/>
-              <a:t>10/2/2023</a:t>
+              <a:t>10/3/2023</a:t>
             </a:fld>
             <a:endParaRPr lang="en-US" dirty="0"/>
           </a:p>
@@ -3085,7 +3085,7 @@
             <a:fld id="{B61BEF0D-F0BB-DE4B-95CE-6DB70DBA9567}" type="datetimeFigureOut">
               <a:rPr lang="en-US" smtClean="0"/>
               <a:pPr/>
-              <a:t>10/2/2023</a:t>
+              <a:t>10/3/2023</a:t>
             </a:fld>
             <a:endParaRPr lang="en-US" dirty="0"/>
           </a:p>
@@ -3353,7 +3353,7 @@
             <a:fld id="{B61BEF0D-F0BB-DE4B-95CE-6DB70DBA9567}" type="datetimeFigureOut">
               <a:rPr lang="en-US" smtClean="0"/>
               <a:pPr/>
-              <a:t>10/2/2023</a:t>
+              <a:t>10/3/2023</a:t>
             </a:fld>
             <a:endParaRPr lang="en-US" dirty="0"/>
           </a:p>
@@ -3577,7 +3577,7 @@
             <a:fld id="{B61BEF0D-F0BB-DE4B-95CE-6DB70DBA9567}" type="datetimeFigureOut">
               <a:rPr lang="en-US" smtClean="0"/>
               <a:pPr/>
-              <a:t>10/2/2023</a:t>
+              <a:t>10/3/2023</a:t>
             </a:fld>
             <a:endParaRPr lang="en-US" dirty="0"/>
           </a:p>
@@ -5595,14 +5595,15 @@
         <p:spPr/>
         <p:txBody>
           <a:bodyPr>
-            <a:normAutofit fontScale="85000" lnSpcReduction="10000"/>
+            <a:normAutofit fontScale="92500" lnSpcReduction="20000"/>
           </a:bodyPr>
           <a:lstStyle/>
           <a:p>
-            <a:pPr>
+            <a:pPr marL="0" indent="0">
               <a:spcAft>
                 <a:spcPts val="600"/>
               </a:spcAft>
+              <a:buNone/>
             </a:pPr>
             <a:r>
               <a:rPr lang="tr-TR" sz="1800" dirty="0"/>
@@ -6015,7 +6016,7 @@
                 <a:latin typeface="Times New Roman" panose="02020603050405020304" pitchFamily="18" charset="0"/>
                 <a:cs typeface="Times New Roman" panose="02020603050405020304" pitchFamily="18" charset="0"/>
               </a:rPr>
-              <a:t>Normal Zeka gibi, Yapay Zekanın belli bir tanımlanması da olamaz.</a:t>
+              <a:t>Normal Zeka gibi, Yapay Zekanın belli bir tanımlanması olamaz.</a:t>
             </a:r>
           </a:p>
           <a:p>
@@ -6653,7 +6654,7 @@
           </a:bodyPr>
           <a:lstStyle/>
           <a:p>
-            <a:pPr>
+            <a:pPr algn="just">
               <a:lnSpc>
                 <a:spcPct val="120000"/>
               </a:lnSpc>
@@ -6661,11 +6662,11 @@
                 <a:spcPts val="0"/>
               </a:spcBef>
               <a:spcAft>
-                <a:spcPts val="600"/>
+                <a:spcPts val="1200"/>
               </a:spcAft>
             </a:pPr>
             <a:r>
-              <a:rPr lang="tr-TR" sz="1600" dirty="0">
+              <a:rPr lang="tr-TR" sz="1800" dirty="0">
                 <a:latin typeface="Times New Roman" panose="02020603050405020304" pitchFamily="18" charset="0"/>
                 <a:cs typeface="Times New Roman" panose="02020603050405020304" pitchFamily="18" charset="0"/>
               </a:rPr>
@@ -6673,7 +6674,7 @@
             </a:r>
           </a:p>
           <a:p>
-            <a:pPr>
+            <a:pPr algn="just">
               <a:lnSpc>
                 <a:spcPct val="120000"/>
               </a:lnSpc>
@@ -6681,11 +6682,11 @@
                 <a:spcPts val="0"/>
               </a:spcBef>
               <a:spcAft>
-                <a:spcPts val="600"/>
+                <a:spcPts val="1200"/>
               </a:spcAft>
             </a:pPr>
             <a:r>
-              <a:rPr lang="tr-TR" sz="1600" dirty="0">
+              <a:rPr lang="tr-TR" sz="1800" dirty="0">
                 <a:latin typeface="Times New Roman" panose="02020603050405020304" pitchFamily="18" charset="0"/>
                 <a:cs typeface="Times New Roman" panose="02020603050405020304" pitchFamily="18" charset="0"/>
               </a:rPr>
@@ -6693,7 +6694,7 @@
             </a:r>
           </a:p>
           <a:p>
-            <a:pPr>
+            <a:pPr algn="just">
               <a:lnSpc>
                 <a:spcPct val="120000"/>
               </a:lnSpc>
@@ -6701,11 +6702,11 @@
                 <a:spcPts val="0"/>
               </a:spcBef>
               <a:spcAft>
-                <a:spcPts val="600"/>
+                <a:spcPts val="1200"/>
               </a:spcAft>
             </a:pPr>
             <a:r>
-              <a:rPr lang="tr-TR" sz="1600" dirty="0">
+              <a:rPr lang="tr-TR" sz="1800" dirty="0">
                 <a:latin typeface="Times New Roman" panose="02020603050405020304" pitchFamily="18" charset="0"/>
                 <a:cs typeface="Times New Roman" panose="02020603050405020304" pitchFamily="18" charset="0"/>
               </a:rPr>
@@ -6713,7 +6714,7 @@
             </a:r>
           </a:p>
           <a:p>
-            <a:pPr>
+            <a:pPr algn="just">
               <a:lnSpc>
                 <a:spcPct val="120000"/>
               </a:lnSpc>
@@ -6721,11 +6722,11 @@
                 <a:spcPts val="0"/>
               </a:spcBef>
               <a:spcAft>
-                <a:spcPts val="600"/>
+                <a:spcPts val="1200"/>
               </a:spcAft>
             </a:pPr>
             <a:r>
-              <a:rPr lang="tr-TR" sz="1600" dirty="0">
+              <a:rPr lang="tr-TR" sz="1800" dirty="0">
                 <a:latin typeface="Times New Roman" panose="02020603050405020304" pitchFamily="18" charset="0"/>
                 <a:cs typeface="Times New Roman" panose="02020603050405020304" pitchFamily="18" charset="0"/>
               </a:rPr>
@@ -6959,11 +6960,11 @@
                 <a:spcPts val="0"/>
               </a:spcBef>
               <a:spcAft>
-                <a:spcPts val="600"/>
+                <a:spcPts val="1200"/>
               </a:spcAft>
             </a:pPr>
             <a:r>
-              <a:rPr lang="tr-TR" sz="1600" dirty="0">
+              <a:rPr lang="tr-TR" sz="1800" dirty="0">
                 <a:latin typeface="Times New Roman" panose="02020603050405020304" pitchFamily="18" charset="0"/>
                 <a:cs typeface="Times New Roman" panose="02020603050405020304" pitchFamily="18" charset="0"/>
               </a:rPr>
@@ -6979,39 +6980,39 @@
                 <a:spcPts val="0"/>
               </a:spcBef>
               <a:spcAft>
-                <a:spcPts val="600"/>
+                <a:spcPts val="1200"/>
               </a:spcAft>
             </a:pPr>
             <a:r>
-              <a:rPr lang="tr-TR" sz="1600" dirty="0">
+              <a:rPr lang="tr-TR" sz="1800" dirty="0">
                 <a:latin typeface="Times New Roman" panose="02020603050405020304" pitchFamily="18" charset="0"/>
                 <a:cs typeface="Times New Roman" panose="02020603050405020304" pitchFamily="18" charset="0"/>
               </a:rPr>
               <a:t>Bu problemleri çözmek için Makine Öğrenmesi (</a:t>
             </a:r>
             <a:r>
-              <a:rPr lang="tr-TR" sz="1600" dirty="0" err="1">
+              <a:rPr lang="tr-TR" sz="1800" dirty="0" err="1">
                 <a:latin typeface="Times New Roman" panose="02020603050405020304" pitchFamily="18" charset="0"/>
                 <a:cs typeface="Times New Roman" panose="02020603050405020304" pitchFamily="18" charset="0"/>
               </a:rPr>
               <a:t>machine</a:t>
             </a:r>
             <a:r>
-              <a:rPr lang="tr-TR" sz="1600" dirty="0">
+              <a:rPr lang="tr-TR" sz="1800" dirty="0">
                 <a:latin typeface="Times New Roman" panose="02020603050405020304" pitchFamily="18" charset="0"/>
                 <a:cs typeface="Times New Roman" panose="02020603050405020304" pitchFamily="18" charset="0"/>
               </a:rPr>
               <a:t> </a:t>
             </a:r>
             <a:r>
-              <a:rPr lang="tr-TR" sz="1600" dirty="0" err="1">
+              <a:rPr lang="tr-TR" sz="1800" dirty="0" err="1">
                 <a:latin typeface="Times New Roman" panose="02020603050405020304" pitchFamily="18" charset="0"/>
                 <a:cs typeface="Times New Roman" panose="02020603050405020304" pitchFamily="18" charset="0"/>
               </a:rPr>
               <a:t>learning</a:t>
             </a:r>
             <a:r>
-              <a:rPr lang="tr-TR" sz="1600" dirty="0">
+              <a:rPr lang="tr-TR" sz="1800" dirty="0">
                 <a:latin typeface="Times New Roman" panose="02020603050405020304" pitchFamily="18" charset="0"/>
                 <a:cs typeface="Times New Roman" panose="02020603050405020304" pitchFamily="18" charset="0"/>
               </a:rPr>
@@ -7027,25 +7028,25 @@
                 <a:spcPts val="0"/>
               </a:spcBef>
               <a:spcAft>
-                <a:spcPts val="600"/>
+                <a:spcPts val="1200"/>
               </a:spcAft>
             </a:pPr>
             <a:r>
-              <a:rPr lang="tr-TR" sz="1600" dirty="0">
+              <a:rPr lang="tr-TR" sz="1800" dirty="0">
                 <a:latin typeface="Times New Roman" panose="02020603050405020304" pitchFamily="18" charset="0"/>
                 <a:cs typeface="Times New Roman" panose="02020603050405020304" pitchFamily="18" charset="0"/>
               </a:rPr>
               <a:t>Makine öğrenmesi yöntemleri, geçmişteki veriyi kullanarak yeni veri için en uygun modeli bulmaya çalışır. Verinin incelenip, içerisinden ise yarayan bilginin çıkarılmasına da Veri Madenciliği (data </a:t>
             </a:r>
             <a:r>
-              <a:rPr lang="tr-TR" sz="1600" dirty="0" err="1">
+              <a:rPr lang="tr-TR" sz="1800" dirty="0" err="1">
                 <a:latin typeface="Times New Roman" panose="02020603050405020304" pitchFamily="18" charset="0"/>
                 <a:cs typeface="Times New Roman" panose="02020603050405020304" pitchFamily="18" charset="0"/>
               </a:rPr>
               <a:t>mining</a:t>
             </a:r>
             <a:r>
-              <a:rPr lang="tr-TR" sz="1600" dirty="0">
+              <a:rPr lang="tr-TR" sz="1800" dirty="0">
                 <a:latin typeface="Times New Roman" panose="02020603050405020304" pitchFamily="18" charset="0"/>
                 <a:cs typeface="Times New Roman" panose="02020603050405020304" pitchFamily="18" charset="0"/>
               </a:rPr>
@@ -7162,11 +7163,11 @@
                 <a:spcPts val="0"/>
               </a:spcBef>
               <a:spcAft>
-                <a:spcPts val="600"/>
+                <a:spcPts val="1200"/>
               </a:spcAft>
             </a:pPr>
             <a:r>
-              <a:rPr lang="tr-TR" sz="1600" dirty="0">
+              <a:rPr lang="tr-TR" sz="1800" dirty="0">
                 <a:latin typeface="Times New Roman" panose="02020603050405020304" pitchFamily="18" charset="0"/>
                 <a:cs typeface="Times New Roman" panose="02020603050405020304" pitchFamily="18" charset="0"/>
               </a:rPr>
@@ -7182,12 +7183,12 @@
                 <a:spcPts val="0"/>
               </a:spcBef>
               <a:spcAft>
-                <a:spcPts val="600"/>
+                <a:spcPts val="1200"/>
               </a:spcAft>
               <a:buNone/>
             </a:pPr>
             <a:r>
-              <a:rPr lang="tr-TR" sz="1600" dirty="0">
+              <a:rPr lang="tr-TR" sz="1800" dirty="0">
                 <a:latin typeface="Times New Roman" panose="02020603050405020304" pitchFamily="18" charset="0"/>
                 <a:cs typeface="Times New Roman" panose="02020603050405020304" pitchFamily="18" charset="0"/>
               </a:rPr>
@@ -7203,11 +7204,11 @@
                 <a:spcPts val="0"/>
               </a:spcBef>
               <a:spcAft>
-                <a:spcPts val="600"/>
+                <a:spcPts val="1200"/>
               </a:spcAft>
             </a:pPr>
             <a:r>
-              <a:rPr lang="tr-TR" sz="1600" dirty="0">
+              <a:rPr lang="tr-TR" sz="1800" dirty="0">
                 <a:latin typeface="Times New Roman" panose="02020603050405020304" pitchFamily="18" charset="0"/>
                 <a:cs typeface="Times New Roman" panose="02020603050405020304" pitchFamily="18" charset="0"/>
               </a:rPr>
@@ -7223,25 +7224,59 @@
                 <a:spcPts val="0"/>
               </a:spcBef>
               <a:spcAft>
-                <a:spcPts val="600"/>
+                <a:spcPts val="1200"/>
               </a:spcAft>
             </a:pPr>
             <a:r>
-              <a:rPr lang="tr-TR" sz="1600" dirty="0">
-                <a:latin typeface="Times New Roman" panose="02020603050405020304" pitchFamily="18" charset="0"/>
-                <a:cs typeface="Times New Roman" panose="02020603050405020304" pitchFamily="18" charset="0"/>
-              </a:rPr>
-              <a:t>Makine Öğrenmesi, Belli bir T görevi ve P performans ölçütü için; eğer P performans ölçütü, T görevinde E tecrübeleriyle artıyorsa bu E tecrübelerinden öğrendiği söylenen bilgisayar programıdır (</a:t>
-            </a:r>
-            <a:r>
-              <a:rPr lang="tr-TR" sz="1600" dirty="0" err="1">
+              <a:rPr lang="tr-TR" sz="1800" dirty="0">
+                <a:latin typeface="Times New Roman" panose="02020603050405020304" pitchFamily="18" charset="0"/>
+                <a:cs typeface="Times New Roman" panose="02020603050405020304" pitchFamily="18" charset="0"/>
+              </a:rPr>
+              <a:t>Makine Öğrenmesi, Belli bir </a:t>
+            </a:r>
+            <a:r>
+              <a:rPr lang="tr-TR" sz="1800" dirty="0">
+                <a:solidFill>
+                  <a:srgbClr val="FFFF00"/>
+                </a:solidFill>
+                <a:latin typeface="Times New Roman" panose="02020603050405020304" pitchFamily="18" charset="0"/>
+                <a:cs typeface="Times New Roman" panose="02020603050405020304" pitchFamily="18" charset="0"/>
+              </a:rPr>
+              <a:t>T görevi ve P performans ölçütü için</a:t>
+            </a:r>
+            <a:r>
+              <a:rPr lang="tr-TR" sz="1800" dirty="0">
+                <a:latin typeface="Times New Roman" panose="02020603050405020304" pitchFamily="18" charset="0"/>
+                <a:cs typeface="Times New Roman" panose="02020603050405020304" pitchFamily="18" charset="0"/>
+              </a:rPr>
+              <a:t>; eğer </a:t>
+            </a:r>
+            <a:r>
+              <a:rPr lang="tr-TR" sz="1800" dirty="0">
+                <a:solidFill>
+                  <a:srgbClr val="FFFF00"/>
+                </a:solidFill>
+                <a:latin typeface="Times New Roman" panose="02020603050405020304" pitchFamily="18" charset="0"/>
+                <a:cs typeface="Times New Roman" panose="02020603050405020304" pitchFamily="18" charset="0"/>
+              </a:rPr>
+              <a:t>P performans ölçütü, T görevinde E tecrübeleriyle</a:t>
+            </a:r>
+            <a:r>
+              <a:rPr lang="tr-TR" sz="1800" dirty="0">
+                <a:latin typeface="Times New Roman" panose="02020603050405020304" pitchFamily="18" charset="0"/>
+                <a:cs typeface="Times New Roman" panose="02020603050405020304" pitchFamily="18" charset="0"/>
+              </a:rPr>
+              <a:t> artıyorsa bu E tecrübelerinden öğrendiği söylenen bilgisayar programıdır (</a:t>
+            </a:r>
+            <a:r>
+              <a:rPr lang="tr-TR" sz="1800" dirty="0" err="1">
                 <a:latin typeface="Times New Roman" panose="02020603050405020304" pitchFamily="18" charset="0"/>
                 <a:cs typeface="Times New Roman" panose="02020603050405020304" pitchFamily="18" charset="0"/>
               </a:rPr>
               <a:t>Tom</a:t>
             </a:r>
             <a:r>
-              <a:rPr lang="tr-TR" sz="1600" dirty="0">
+              <a:rPr lang="tr-TR" sz="1800" dirty="0">
                 <a:latin typeface="Times New Roman" panose="02020603050405020304" pitchFamily="18" charset="0"/>
                 <a:cs typeface="Times New Roman" panose="02020603050405020304" pitchFamily="18" charset="0"/>
               </a:rPr>
@@ -7353,13 +7388,13 @@
           <a:p>
             <a:pPr algn="just">
               <a:lnSpc>
-                <a:spcPct val="107000"/>
+                <a:spcPct val="100000"/>
               </a:lnSpc>
               <a:spcBef>
                 <a:spcPts val="0"/>
               </a:spcBef>
               <a:spcAft>
-                <a:spcPts val="600"/>
+                <a:spcPts val="1200"/>
               </a:spcAft>
             </a:pPr>
             <a:r>
@@ -7375,13 +7410,13 @@
           <a:p>
             <a:pPr algn="just">
               <a:lnSpc>
-                <a:spcPct val="107000"/>
+                <a:spcPct val="100000"/>
               </a:lnSpc>
               <a:spcBef>
                 <a:spcPts val="0"/>
               </a:spcBef>
               <a:spcAft>
-                <a:spcPts val="600"/>
+                <a:spcPts val="1200"/>
               </a:spcAft>
             </a:pPr>
             <a:r>
@@ -7418,13 +7453,13 @@
           <a:p>
             <a:pPr algn="just">
               <a:lnSpc>
-                <a:spcPct val="107000"/>
+                <a:spcPct val="100000"/>
               </a:lnSpc>
               <a:spcBef>
                 <a:spcPts val="0"/>
               </a:spcBef>
               <a:spcAft>
-                <a:spcPts val="600"/>
+                <a:spcPts val="1200"/>
               </a:spcAft>
             </a:pPr>
             <a:r>
@@ -7461,13 +7496,13 @@
           <a:p>
             <a:pPr algn="just">
               <a:lnSpc>
-                <a:spcPct val="107000"/>
+                <a:spcPct val="100000"/>
               </a:lnSpc>
               <a:spcBef>
                 <a:spcPts val="0"/>
               </a:spcBef>
               <a:spcAft>
-                <a:spcPts val="600"/>
+                <a:spcPts val="1200"/>
               </a:spcAft>
             </a:pPr>
             <a:r>
@@ -7489,7 +7524,7 @@
                 <a:ea typeface="Calibri" panose="020F0502020204030204" pitchFamily="34" charset="0"/>
                 <a:cs typeface="Times New Roman" panose="02020603050405020304" pitchFamily="18" charset="0"/>
               </a:rPr>
-              <a:t>T görevi yeni postaları gerekli/gereksiz olarak işaretlemek, E tecrübesi eğitim veri seti ve P performans ölçütüyse, örneğin doğru sınıflandırılan posta oranı olarak tanımlanabilir</a:t>
+              <a:t>T görevi; yeni postaları gerekli/gereksiz olarak işaretlemek, E tecrübesi eğitim veri seti ve P performans ölçütü ise, örneğin doğru sınıflandırılan posta oranı olarak tanımlanabilir</a:t>
             </a:r>
             <a:r>
               <a:rPr lang="tr-TR" sz="1800" dirty="0">
@@ -7504,13 +7539,13 @@
           <a:p>
             <a:pPr algn="just">
               <a:lnSpc>
-                <a:spcPct val="107000"/>
+                <a:spcPct val="100000"/>
               </a:lnSpc>
               <a:spcBef>
                 <a:spcPts val="0"/>
               </a:spcBef>
               <a:spcAft>
-                <a:spcPts val="600"/>
+                <a:spcPts val="1200"/>
               </a:spcAft>
             </a:pPr>
             <a:r>
@@ -7932,21 +7967,7 @@
                 <a:latin typeface="Times New Roman" panose="02020603050405020304" pitchFamily="18" charset="0"/>
                 <a:cs typeface="Times New Roman" panose="02020603050405020304" pitchFamily="18" charset="0"/>
               </a:rPr>
-              <a:t>İnsanlar uzmanlıklarını açıklayamazlar (</a:t>
-            </a:r>
-            <a:r>
-              <a:rPr lang="tr-TR" sz="1600" dirty="0" err="1">
-                <a:latin typeface="Times New Roman" panose="02020603050405020304" pitchFamily="18" charset="0"/>
-                <a:cs typeface="Times New Roman" panose="02020603050405020304" pitchFamily="18" charset="0"/>
-              </a:rPr>
-              <a:t>konuşmatanıma</a:t>
-            </a:r>
-            <a:r>
-              <a:rPr lang="tr-TR" sz="1600" dirty="0">
-                <a:latin typeface="Times New Roman" panose="02020603050405020304" pitchFamily="18" charset="0"/>
-                <a:cs typeface="Times New Roman" panose="02020603050405020304" pitchFamily="18" charset="0"/>
-              </a:rPr>
-              <a:t>),</a:t>
+              <a:t>İnsanlar uzmanlıklarını açıklayamazlar (konuşma tanıma),</a:t>
             </a:r>
           </a:p>
           <a:p>
@@ -8106,11 +8127,11 @@
                 <a:spcPts val="0"/>
               </a:spcBef>
               <a:spcAft>
-                <a:spcPts val="600"/>
+                <a:spcPts val="1200"/>
               </a:spcAft>
             </a:pPr>
             <a:r>
-              <a:rPr lang="tr-TR" sz="1600" dirty="0">
+              <a:rPr lang="tr-TR" sz="1800" dirty="0">
                 <a:latin typeface="Times New Roman" panose="02020603050405020304" pitchFamily="18" charset="0"/>
                 <a:cs typeface="Times New Roman" panose="02020603050405020304" pitchFamily="18" charset="0"/>
               </a:rPr>
@@ -8126,11 +8147,11 @@
                 <a:spcPts val="0"/>
               </a:spcBef>
               <a:spcAft>
-                <a:spcPts val="600"/>
+                <a:spcPts val="1200"/>
               </a:spcAft>
             </a:pPr>
             <a:r>
-              <a:rPr lang="tr-TR" sz="1600" dirty="0">
+              <a:rPr lang="tr-TR" sz="1800" dirty="0">
                 <a:latin typeface="Times New Roman" panose="02020603050405020304" pitchFamily="18" charset="0"/>
                 <a:cs typeface="Times New Roman" panose="02020603050405020304" pitchFamily="18" charset="0"/>
               </a:rPr>
@@ -8146,11 +8167,11 @@
                 <a:spcPts val="0"/>
               </a:spcBef>
               <a:spcAft>
-                <a:spcPts val="600"/>
+                <a:spcPts val="1200"/>
               </a:spcAft>
             </a:pPr>
             <a:r>
-              <a:rPr lang="tr-TR" sz="1600" dirty="0">
+              <a:rPr lang="tr-TR" sz="1800" dirty="0">
                 <a:latin typeface="Times New Roman" panose="02020603050405020304" pitchFamily="18" charset="0"/>
                 <a:cs typeface="Times New Roman" panose="02020603050405020304" pitchFamily="18" charset="0"/>
               </a:rPr>
@@ -8166,25 +8187,25 @@
                 <a:spcPts val="0"/>
               </a:spcBef>
               <a:spcAft>
-                <a:spcPts val="600"/>
+                <a:spcPts val="1200"/>
               </a:spcAft>
             </a:pPr>
             <a:r>
-              <a:rPr lang="tr-TR" sz="1600" dirty="0">
+              <a:rPr lang="tr-TR" sz="1800" dirty="0">
                 <a:latin typeface="Times New Roman" panose="02020603050405020304" pitchFamily="18" charset="0"/>
                 <a:cs typeface="Times New Roman" panose="02020603050405020304" pitchFamily="18" charset="0"/>
               </a:rPr>
               <a:t>“</a:t>
             </a:r>
             <a:r>
-              <a:rPr lang="tr-TR" sz="1600" dirty="0" err="1">
+              <a:rPr lang="tr-TR" sz="1800" dirty="0" err="1">
                 <a:latin typeface="Times New Roman" panose="02020603050405020304" pitchFamily="18" charset="0"/>
                 <a:cs typeface="Times New Roman" panose="02020603050405020304" pitchFamily="18" charset="0"/>
               </a:rPr>
               <a:t>Blink</a:t>
             </a:r>
             <a:r>
-              <a:rPr lang="tr-TR" sz="1600" dirty="0">
+              <a:rPr lang="tr-TR" sz="1800" dirty="0">
                 <a:latin typeface="Times New Roman" panose="02020603050405020304" pitchFamily="18" charset="0"/>
                 <a:cs typeface="Times New Roman" panose="02020603050405020304" pitchFamily="18" charset="0"/>
               </a:rPr>
@@ -8200,11 +8221,11 @@
                 <a:spcPts val="0"/>
               </a:spcBef>
               <a:spcAft>
-                <a:spcPts val="600"/>
+                <a:spcPts val="1200"/>
               </a:spcAft>
             </a:pPr>
             <a:r>
-              <a:rPr lang="tr-TR" sz="1600" dirty="0">
+              <a:rPr lang="tr-TR" sz="1800" dirty="0">
                 <a:latin typeface="Times New Roman" panose="02020603050405020304" pitchFamily="18" charset="0"/>
                 <a:cs typeface="Times New Roman" panose="02020603050405020304" pitchFamily="18" charset="0"/>
               </a:rPr>
@@ -16468,7 +16489,7 @@
         </p:spPr>
         <p:txBody>
           <a:bodyPr>
-            <a:normAutofit/>
+            <a:normAutofit lnSpcReduction="10000"/>
           </a:bodyPr>
           <a:lstStyle/>
           <a:p>
@@ -16519,6 +16540,26 @@
               <a:rPr lang="en-US" altLang="zh-TW" dirty="0"/>
               <a:t>Applications</a:t>
             </a:r>
+            <a:endParaRPr lang="tr-TR" altLang="zh-TW" dirty="0"/>
+          </a:p>
+          <a:p>
+            <a:r>
+              <a:rPr lang="tr-TR" altLang="zh-TW" dirty="0" err="1"/>
+              <a:t>Deep</a:t>
+            </a:r>
+            <a:r>
+              <a:rPr lang="tr-TR" altLang="zh-TW" dirty="0"/>
+              <a:t> Learning </a:t>
+            </a:r>
+            <a:r>
+              <a:rPr lang="tr-TR" altLang="zh-TW" dirty="0" err="1"/>
+              <a:t>and</a:t>
+            </a:r>
+            <a:r>
+              <a:rPr lang="tr-TR" altLang="zh-TW" dirty="0"/>
+              <a:t> Real-time Application</a:t>
+            </a:r>
+            <a:endParaRPr lang="en-US" altLang="zh-TW" dirty="0"/>
           </a:p>
           <a:p>
             <a:r>
@@ -16551,8 +16592,8 @@
         </p:blipFill>
         <p:spPr bwMode="auto">
           <a:xfrm>
-            <a:off x="5316753" y="1390017"/>
-            <a:ext cx="3689745" cy="2075482"/>
+            <a:off x="5599399" y="1268016"/>
+            <a:ext cx="3345038" cy="1881584"/>
           </a:xfrm>
           <a:prstGeom prst="rect">
             <a:avLst/>
@@ -16656,7 +16697,7 @@
         <p:spPr>
           <a:xfrm>
             <a:off x="533400" y="819150"/>
-            <a:ext cx="8229600" cy="3839769"/>
+            <a:ext cx="8229600" cy="4147546"/>
           </a:xfrm>
           <a:prstGeom prst="rect">
             <a:avLst/>
@@ -16673,7 +16714,7 @@
                 <a:spcPct val="120100"/>
               </a:lnSpc>
               <a:spcAft>
-                <a:spcPts val="600"/>
+                <a:spcPts val="1200"/>
               </a:spcAft>
               <a:buFont typeface="Arial" panose="020B0604020202020204" pitchFamily="34" charset="0"/>
               <a:buChar char="•"/>
@@ -16692,7 +16733,7 @@
                 <a:spcPct val="120100"/>
               </a:lnSpc>
               <a:spcAft>
-                <a:spcPts val="600"/>
+                <a:spcPts val="1200"/>
               </a:spcAft>
               <a:buFont typeface="Arial" panose="020B0604020202020204" pitchFamily="34" charset="0"/>
               <a:buChar char="•"/>
@@ -16711,7 +16752,7 @@
                 <a:spcPct val="120100"/>
               </a:lnSpc>
               <a:spcAft>
-                <a:spcPts val="600"/>
+                <a:spcPts val="1200"/>
               </a:spcAft>
               <a:buFont typeface="Arial" panose="020B0604020202020204" pitchFamily="34" charset="0"/>
               <a:buChar char="•"/>
@@ -16730,7 +16771,7 @@
                 <a:spcPct val="120100"/>
               </a:lnSpc>
               <a:spcAft>
-                <a:spcPts val="600"/>
+                <a:spcPts val="1200"/>
               </a:spcAft>
               <a:buFont typeface="Arial" panose="020B0604020202020204" pitchFamily="34" charset="0"/>
               <a:buChar char="•"/>
@@ -17116,10 +17157,20 @@
             </a:pPr>
             <a:r>
               <a:rPr lang="tr-TR" sz="1600" dirty="0">
-                <a:latin typeface="Times New Roman" panose="02020603050405020304" pitchFamily="18" charset="0"/>
-                <a:cs typeface="Times New Roman" panose="02020603050405020304" pitchFamily="18" charset="0"/>
-              </a:rPr>
-              <a:t>Denetimli eğitimde, etiketlenmiş ya da sınıflandırılmış veriler sisteme eğitim amacıyla  girdi olarak verilir. Sistem sonuçlar  ile veriler arasındaki ilişkiyi kurar ve çıkarım yapar.  Bu çıkarım, gelecekte gelen problemleri çözmek için kullanılır.</a:t>
+                <a:solidFill>
+                  <a:srgbClr val="FFFF00"/>
+                </a:solidFill>
+                <a:latin typeface="Times New Roman" panose="02020603050405020304" pitchFamily="18" charset="0"/>
+                <a:cs typeface="Times New Roman" panose="02020603050405020304" pitchFamily="18" charset="0"/>
+              </a:rPr>
+              <a:t>Denetimli eğitimde</a:t>
+            </a:r>
+            <a:r>
+              <a:rPr lang="tr-TR" sz="1600" dirty="0">
+                <a:latin typeface="Times New Roman" panose="02020603050405020304" pitchFamily="18" charset="0"/>
+                <a:cs typeface="Times New Roman" panose="02020603050405020304" pitchFamily="18" charset="0"/>
+              </a:rPr>
+              <a:t>, etiketlenmiş ya da sınıflandırılmış veriler sisteme eğitim amacıyla  girdi olarak verilir. Sistem sonuçlar  ile veriler arasındaki ilişkiyi kurar ve çıkarım yapar.  Bu çıkarım, gelecekte gelen problemleri çözmek için kullanılır.</a:t>
             </a:r>
           </a:p>
           <a:p>
@@ -17135,10 +17186,20 @@
             </a:pPr>
             <a:r>
               <a:rPr lang="tr-TR" sz="1600" dirty="0">
-                <a:latin typeface="Times New Roman" panose="02020603050405020304" pitchFamily="18" charset="0"/>
-                <a:cs typeface="Times New Roman" panose="02020603050405020304" pitchFamily="18" charset="0"/>
-              </a:rPr>
-              <a:t>Denetimsiz eğitimde, etiketlenmemiş ya da sınıflandırılmamış veriler sisteme eğitim amacı  ile verilir. Sistem veriler arasında benzerlikler bularak verileri kümeler. Elde edilen  kümeleme yöntemi gelecekteki problemlerin çözümünde kullanılır.</a:t>
+                <a:solidFill>
+                  <a:srgbClr val="FFFF00"/>
+                </a:solidFill>
+                <a:latin typeface="Times New Roman" panose="02020603050405020304" pitchFamily="18" charset="0"/>
+                <a:cs typeface="Times New Roman" panose="02020603050405020304" pitchFamily="18" charset="0"/>
+              </a:rPr>
+              <a:t>Denetimsiz eğitimde</a:t>
+            </a:r>
+            <a:r>
+              <a:rPr lang="tr-TR" sz="1600" dirty="0">
+                <a:latin typeface="Times New Roman" panose="02020603050405020304" pitchFamily="18" charset="0"/>
+                <a:cs typeface="Times New Roman" panose="02020603050405020304" pitchFamily="18" charset="0"/>
+              </a:rPr>
+              <a:t>, etiketlenmemiş ya da sınıflandırılmamış veriler sisteme eğitim amacı  ile verilir. Sistem veriler arasında benzerlikler bularak verileri kümeler. Elde edilen  kümeleme yöntemi gelecekteki problemlerin çözümünde kullanılır.</a:t>
             </a:r>
           </a:p>
           <a:p>
@@ -17154,10 +17215,20 @@
             </a:pPr>
             <a:r>
               <a:rPr lang="tr-TR" sz="1600" dirty="0">
-                <a:latin typeface="Times New Roman" panose="02020603050405020304" pitchFamily="18" charset="0"/>
-                <a:cs typeface="Times New Roman" panose="02020603050405020304" pitchFamily="18" charset="0"/>
-              </a:rPr>
-              <a:t>Yarı denetimli eğitimde, hem denetimli hem denetimsiz eğitim yöntemleri bir arada  kullanılır. Küçük bir kısmı etiketlenmiş ya da sınıflandırılmış veri kümesi eğitim amacı ile  sisteme verilir. Sistem denetimsiz eğitimdeki gibi veriler arasında benzerlik bulur. Oluşturulan benzerlikler etiketlenmiş veriler sayesinde kontrol edilir  ve gereken  ayarlamalar yapılır.</a:t>
+                <a:solidFill>
+                  <a:srgbClr val="FFFF00"/>
+                </a:solidFill>
+                <a:latin typeface="Times New Roman" panose="02020603050405020304" pitchFamily="18" charset="0"/>
+                <a:cs typeface="Times New Roman" panose="02020603050405020304" pitchFamily="18" charset="0"/>
+              </a:rPr>
+              <a:t>Yarı denetimli eğitimde</a:t>
+            </a:r>
+            <a:r>
+              <a:rPr lang="tr-TR" sz="1600" dirty="0">
+                <a:latin typeface="Times New Roman" panose="02020603050405020304" pitchFamily="18" charset="0"/>
+                <a:cs typeface="Times New Roman" panose="02020603050405020304" pitchFamily="18" charset="0"/>
+              </a:rPr>
+              <a:t>, hem denetimli hem denetimsiz eğitim yöntemleri bir arada  kullanılır. Küçük bir kısmı etiketlenmiş ya da sınıflandırılmış veri kümesi eğitim amacı ile  sisteme verilir. Sistem denetimsiz eğitimdeki gibi veriler arasında benzerlik bulur. Oluşturulan benzerlikler etiketlenmiş veriler sayesinde kontrol edilir  ve gereken  ayarlamalar yapılır.</a:t>
             </a:r>
           </a:p>
           <a:p>
@@ -21888,25 +21959,7 @@
                 <a:ea typeface="Calibri" panose="020F0502020204030204" pitchFamily="34" charset="0"/>
                 <a:cs typeface="Times New Roman" panose="02020603050405020304" pitchFamily="18" charset="0"/>
               </a:rPr>
-              <a:t>İşlenmiş, düzenlenmiş, anlamlandırılmış verilerdir. Bilgi, organize, anlamlı ve yararlı verilerdir. Çıktı aşaması sırasında, oluşturulan bilgiler basılı rapor, </a:t>
-            </a:r>
-            <a:r>
-              <a:rPr lang="tr-TR" sz="1600" dirty="0" err="1">
-                <a:effectLst/>
-                <a:latin typeface="Times New Roman" panose="02020603050405020304" pitchFamily="18" charset="0"/>
-                <a:ea typeface="Calibri" panose="020F0502020204030204" pitchFamily="34" charset="0"/>
-                <a:cs typeface="Times New Roman" panose="02020603050405020304" pitchFamily="18" charset="0"/>
-              </a:rPr>
-              <a:t>garfik</a:t>
-            </a:r>
-            <a:r>
-              <a:rPr lang="tr-TR" sz="1600" dirty="0">
-                <a:effectLst/>
-                <a:latin typeface="Times New Roman" panose="02020603050405020304" pitchFamily="18" charset="0"/>
-                <a:ea typeface="Calibri" panose="020F0502020204030204" pitchFamily="34" charset="0"/>
-                <a:cs typeface="Times New Roman" panose="02020603050405020304" pitchFamily="18" charset="0"/>
-              </a:rPr>
-              <a:t> ve görseller ile sunum formuna sokulur. Bilgiler ileride kullanılmak üzere bilgisayar saklanır.</a:t>
+              <a:t>İşlenmiş, düzenlenmiş, anlamlandırılmış verilerdir. Bilgi, organize, anlamlı ve yararlı verilerdir. Çıktı aşaması sırasında, oluşturulan bilgiler basılı rapor, grafik ve görseller ile sunum formuna sokulur. Bilgiler ileride kullanılmak üzere bilgisayar saklanır.</a:t>
             </a:r>
             <a:endParaRPr lang="tr-TR" sz="1600" dirty="0">
               <a:effectLst/>
@@ -35029,7 +35082,7 @@
           <a:lstStyle/>
           <a:p>
             <a:r>
-              <a:rPr lang="tr-TR" sz="1600" dirty="0">
+              <a:rPr lang="tr-TR" sz="2000" dirty="0">
                 <a:latin typeface="Times New Roman" panose="02020603050405020304" pitchFamily="18" charset="0"/>
                 <a:cs typeface="Times New Roman" panose="02020603050405020304" pitchFamily="18" charset="0"/>
               </a:rPr>
@@ -35038,7 +35091,7 @@
           </a:p>
           <a:p>
             <a:pPr marL="257175" lvl="1" indent="-257175"/>
-            <a:endParaRPr lang="tr-TR" sz="1600" dirty="0">
+            <a:endParaRPr lang="tr-TR" sz="2000" dirty="0">
               <a:latin typeface="Times New Roman" panose="02020603050405020304" pitchFamily="18" charset="0"/>
               <a:cs typeface="Times New Roman" panose="02020603050405020304" pitchFamily="18" charset="0"/>
             </a:endParaRPr>
@@ -35046,14 +35099,14 @@
           <a:p>
             <a:pPr marL="257175" lvl="1" indent="-257175"/>
             <a:r>
-              <a:rPr lang="tr-TR" sz="1600" dirty="0">
+              <a:rPr lang="tr-TR" sz="2000" dirty="0">
                 <a:latin typeface="Times New Roman" panose="02020603050405020304" pitchFamily="18" charset="0"/>
                 <a:cs typeface="Times New Roman" panose="02020603050405020304" pitchFamily="18" charset="0"/>
               </a:rPr>
               <a:t>Modellenecek değişkenler sadece birkaç </a:t>
             </a:r>
             <a:r>
-              <a:rPr lang="tr-TR" sz="1600" dirty="0">
+              <a:rPr lang="tr-TR" sz="2000" dirty="0">
                 <a:solidFill>
                   <a:srgbClr val="FF0000"/>
                 </a:solidFill>
@@ -35063,7 +35116,7 @@
               <a:t>ayrık </a:t>
             </a:r>
             <a:r>
-              <a:rPr lang="tr-TR" sz="1600" dirty="0">
+              <a:rPr lang="tr-TR" sz="2000" dirty="0">
                 <a:latin typeface="Times New Roman" panose="02020603050405020304" pitchFamily="18" charset="0"/>
                 <a:cs typeface="Times New Roman" panose="02020603050405020304" pitchFamily="18" charset="0"/>
               </a:rPr>
@@ -35074,7 +35127,7 @@
             <a:pPr marL="0" lvl="1" indent="0">
               <a:buNone/>
             </a:pPr>
-            <a:endParaRPr lang="tr-TR" sz="1600" dirty="0">
+            <a:endParaRPr lang="tr-TR" sz="2000" dirty="0">
               <a:latin typeface="Times New Roman" panose="02020603050405020304" pitchFamily="18" charset="0"/>
               <a:cs typeface="Times New Roman" panose="02020603050405020304" pitchFamily="18" charset="0"/>
             </a:endParaRPr>
@@ -35082,7 +35135,7 @@
           <a:p>
             <a:pPr marL="257175" lvl="1" indent="-257175"/>
             <a:r>
-              <a:rPr lang="tr-TR" sz="1600" dirty="0">
+              <a:rPr lang="tr-TR" sz="2000" dirty="0">
                 <a:latin typeface="Times New Roman" panose="02020603050405020304" pitchFamily="18" charset="0"/>
                 <a:cs typeface="Times New Roman" panose="02020603050405020304" pitchFamily="18" charset="0"/>
               </a:rPr>
@@ -36810,7 +36863,7 @@
         </p:nvSpPr>
         <p:spPr>
           <a:xfrm>
-            <a:off x="1257300" y="4400550"/>
+            <a:off x="502557" y="4171950"/>
             <a:ext cx="1600200" cy="400050"/>
           </a:xfrm>
           <a:prstGeom prst="borderCallout2">
@@ -36819,8 +36872,8 @@
               <a:gd name="adj2" fmla="val 27630"/>
               <a:gd name="adj3" fmla="val -81036"/>
               <a:gd name="adj4" fmla="val 27724"/>
-              <a:gd name="adj5" fmla="val -207010"/>
-              <a:gd name="adj6" fmla="val 59189"/>
+              <a:gd name="adj5" fmla="val -219709"/>
+              <a:gd name="adj6" fmla="val 104540"/>
             </a:avLst>
           </a:prstGeom>
           <a:noFill/>
@@ -40123,7 +40176,7 @@
         </p:nvSpPr>
         <p:spPr>
           <a:xfrm>
-            <a:off x="1541372" y="857907"/>
+            <a:off x="1555887" y="749050"/>
             <a:ext cx="5829300" cy="1661993"/>
           </a:xfrm>
           <a:prstGeom prst="rect">
